--- a/BO, Arcade Mechanics.pptx
+++ b/BO, Arcade Mechanics.pptx
@@ -108,6 +108,11 @@
       </a:defRPr>
     </a:lvl9pPr>
   </p:defaultTextStyle>
+  <p:extLst>
+    <p:ext uri="{EFAFB233-063F-42B5-8137-9DF3F51BA10A}">
+      <p15:sldGuideLst xmlns:p15="http://schemas.microsoft.com/office/powerpoint/2012/main"/>
+    </p:ext>
+  </p:extLst>
 </p:presentation>
 </file>
 
@@ -7575,6 +7580,23 @@
               </a:rPr>
               <a:t>De game </a:t>
             </a:r>
+          </a:p>
+          <a:p>
+            <a:endParaRPr lang="en-US" dirty="0">
+              <a:solidFill>
+                <a:srgbClr val="EBEBEB"/>
+              </a:solidFill>
+            </a:endParaRPr>
+          </a:p>
+          <a:p>
+            <a:r>
+              <a:rPr lang="en-US" dirty="0">
+                <a:solidFill>
+                  <a:srgbClr val="EBEBEB"/>
+                </a:solidFill>
+              </a:rPr>
+              <a:t>Game art/assets </a:t>
+            </a:r>
             <a:endParaRPr lang="nl-NL" dirty="0">
               <a:solidFill>
                 <a:srgbClr val="EBEBEB"/>
@@ -8649,7 +8671,7 @@
         <p:spPr>
           <a:xfrm>
             <a:off x="648931" y="2438400"/>
-            <a:ext cx="4166509" cy="3785419"/>
+            <a:ext cx="4233787" cy="3785419"/>
           </a:xfrm>
         </p:spPr>
         <p:txBody>
@@ -8657,6 +8679,13 @@
             <a:normAutofit/>
           </a:bodyPr>
           <a:lstStyle/>
+          <a:p>
+            <a:endParaRPr lang="en-US" dirty="0">
+              <a:solidFill>
+                <a:srgbClr val="EBEBEB"/>
+              </a:solidFill>
+            </a:endParaRPr>
+          </a:p>
           <a:p>
             <a:endParaRPr lang="nl-NL" dirty="0">
               <a:solidFill>
@@ -8671,22 +8700,8 @@
                   <a:srgbClr val="EBEBEB"/>
                 </a:solidFill>
               </a:rPr>
-              <a:t>https://github.com/JamieVos991/Arcade-Mechanics-F2M3</a:t>
-            </a:r>
-          </a:p>
-          <a:p>
-            <a:endParaRPr lang="nl-NL" dirty="0">
-              <a:solidFill>
-                <a:srgbClr val="EBEBEB"/>
-              </a:solidFill>
-            </a:endParaRPr>
-          </a:p>
-          <a:p>
-            <a:endParaRPr lang="nl-NL" dirty="0">
-              <a:solidFill>
-                <a:srgbClr val="EBEBEB"/>
-              </a:solidFill>
-            </a:endParaRPr>
+              <a:t>De GitHub repository</a:t>
+            </a:r>
           </a:p>
         </p:txBody>
       </p:sp>
@@ -9777,8 +9792,31 @@
                 <a:solidFill>
                   <a:srgbClr val="EBEBEB"/>
                 </a:solidFill>
+                <a:hlinkClick r:id="rId3"/>
               </a:rPr>
               <a:t>https://trello.com/b/BG9m1RyC/arcade-mechanics-f2m3</a:t>
+            </a:r>
+            <a:endParaRPr lang="nl-NL" dirty="0">
+              <a:solidFill>
+                <a:srgbClr val="EBEBEB"/>
+              </a:solidFill>
+            </a:endParaRPr>
+          </a:p>
+          <a:p>
+            <a:endParaRPr lang="nl-NL" dirty="0">
+              <a:solidFill>
+                <a:srgbClr val="EBEBEB"/>
+              </a:solidFill>
+            </a:endParaRPr>
+          </a:p>
+          <a:p>
+            <a:r>
+              <a:rPr lang="nl-NL" dirty="0">
+                <a:solidFill>
+                  <a:srgbClr val="EBEBEB"/>
+                </a:solidFill>
+              </a:rPr>
+              <a:t>Moodboard</a:t>
             </a:r>
           </a:p>
           <a:p>
